--- a/CS325 Presentation Poster.pptx
+++ b/CS325 Presentation Poster.pptx
@@ -230,7 +230,7 @@
               <a:rPr lang="en-US" smtClean="0">
                 <a:latin typeface="Arial Nova" panose="020B0504020202020204" pitchFamily="34" charset="0"/>
               </a:rPr>
-              <a:t>11/27/24</a:t>
+              <a:t>11/30/24</a:t>
             </a:fld>
             <a:endParaRPr lang="en-US">
               <a:latin typeface="Arial Nova" panose="020B0504020202020204" pitchFamily="34" charset="0"/>
@@ -19374,7 +19374,7 @@
             <a:fld id="{AE726307-B9FA-44BB-9F13-9F53D863018F}" type="datetimeFigureOut">
               <a:rPr lang="en-US" smtClean="0"/>
               <a:pPr/>
-              <a:t>11/27/24</a:t>
+              <a:t>11/30/24</a:t>
             </a:fld>
             <a:endParaRPr lang="en-US" dirty="0"/>
           </a:p>
@@ -20218,7 +20218,7 @@
                   <a:srgbClr val="FFFF00"/>
                 </a:highlight>
               </a:rPr>
-              <a:t>While our baseline model demonstrates promising results under stables market conditions, improvement to handle volatility is vital</a:t>
+              <a:t>While our baseline model demonstrates promising results under stable market conditions, improvement to handle volatility is vital</a:t>
             </a:r>
           </a:p>
         </p:txBody>
@@ -20284,58 +20284,6 @@
       </p:sp>
       <p:sp>
         <p:nvSpPr>
-          <p:cNvPr id="15" name="Rectangle 14">
-            <a:extLst>
-              <a:ext uri="{FF2B5EF4-FFF2-40B4-BE49-F238E27FC236}">
-                <a16:creationId xmlns:a16="http://schemas.microsoft.com/office/drawing/2014/main" id="{34554881-623E-4890-89E8-DCEE810B5474}"/>
-              </a:ext>
-            </a:extLst>
-          </p:cNvPr>
-          <p:cNvSpPr/>
-          <p:nvPr/>
-        </p:nvSpPr>
-        <p:spPr>
-          <a:xfrm>
-            <a:off x="737141" y="16349926"/>
-            <a:ext cx="7352870" cy="4568900"/>
-          </a:xfrm>
-          <a:prstGeom prst="rect">
-            <a:avLst/>
-          </a:prstGeom>
-          <a:ln>
-            <a:noFill/>
-          </a:ln>
-        </p:spPr>
-        <p:style>
-          <a:lnRef idx="2">
-            <a:schemeClr val="accent1">
-              <a:shade val="50000"/>
-            </a:schemeClr>
-          </a:lnRef>
-          <a:fillRef idx="1">
-            <a:schemeClr val="accent1"/>
-          </a:fillRef>
-          <a:effectRef idx="0">
-            <a:schemeClr val="accent1"/>
-          </a:effectRef>
-          <a:fontRef idx="minor">
-            <a:schemeClr val="lt1"/>
-          </a:fontRef>
-        </p:style>
-        <p:txBody>
-          <a:bodyPr rtlCol="0" anchor="ctr"/>
-          <a:lstStyle/>
-          <a:p>
-            <a:pPr algn="ctr"/>
-            <a:r>
-              <a:rPr lang="en-US" dirty="0"/>
-              <a:t>Image</a:t>
-            </a:r>
-          </a:p>
-        </p:txBody>
-      </p:sp>
-      <p:sp>
-        <p:nvSpPr>
           <p:cNvPr id="16" name="TextBox 15">
             <a:extLst>
               <a:ext uri="{FF2B5EF4-FFF2-40B4-BE49-F238E27FC236}">
@@ -20365,7 +20313,7 @@
             <a:pPr algn="l"/>
             <a:r>
               <a:rPr lang="en-US" sz="2400" dirty="0"/>
-              <a:t>Our baseline model leverages a RFR to predict next days closing prices of Berkshire Hathaway stock. The RFR was selected for its robustness in processing non-linear relationships and its resistance to overfitting. </a:t>
+              <a:t>Our baseline model leverages an RFR to predict next days closing prices of Berkshire Hathaway stock. The RFR was selected for its robustness in processing non-linear relationships and its resistance to overfitting. </a:t>
             </a:r>
           </a:p>
           <a:p>
@@ -20412,15 +20360,7 @@
           <a:p>
             <a:r>
               <a:rPr lang="en-US" sz="2400" dirty="0"/>
-              <a:t>-   Trend Classifications: Assess the csv file with the alignment of predicted and actual trends. </a:t>
-            </a:r>
-            <a:r>
-              <a:rPr lang="en-US" sz="2400" dirty="0" err="1"/>
-              <a:t>Miclassifications</a:t>
-            </a:r>
-            <a:r>
-              <a:rPr lang="en-US" sz="2400" dirty="0"/>
-              <a:t> are used to identify patterns like volatile markets. </a:t>
+              <a:t>-   Trend Classifications: Assess the csv file with the alignment of predicted and actual trends. Misclassifications are used to identify patterns like volatile markets. </a:t>
             </a:r>
           </a:p>
           <a:p>
@@ -20464,7 +20404,7 @@
             <a:pPr algn="l"/>
             <a:r>
               <a:rPr lang="en-US" sz="2400" dirty="0"/>
-              <a:t>Your text here. Your text here. Your text here. Your text here. Your text here. Your text here. Your text here. Your text here. Your text here. Your text here. Your text here. Your text here. </a:t>
+              <a:t>From testing the model, it has accurately predicted the three most recent days of the data set. It is important to understand that the majority of the dataset should be used for training because the model is designed to predict the next day close price, which is only needed one day at a time.</a:t>
             </a:r>
           </a:p>
         </p:txBody>
@@ -20500,7 +20440,7 @@
             <a:pPr algn="l"/>
             <a:r>
               <a:rPr lang="en-US" sz="2400" dirty="0"/>
-              <a:t>This project successfully developed a Next-Day Closing Stock Predictor using a RFR. The model effectively captured tock price trends during stable market conditions. However, the model’s limitations in volatile markets highlighted the challenges of accounting for unpredicted factors.</a:t>
+              <a:t>This project successfully developed a Next-Day Closing Stock Predictor using an RFR. The model effectively captured stock price trends during stable market conditions. However, the model’s limitations in volatile markets highlighted the challenges of accounting for unpredicted factors.</a:t>
             </a:r>
           </a:p>
           <a:p>
@@ -20552,58 +20492,6 @@
             <a:r>
               <a:rPr lang="en-US" sz="2400" dirty="0"/>
               <a:t>Your text here. Your text here. Your text here. Your text here. Your text here. Your text here. Your text here. Your text here. Your text here. Your text here. Your text here. Your text here. Your text here. Your text here. Your text here. Your text here. Your text here. Your text here. Your text here. Your text here. Your text here. Your text here. </a:t>
-            </a:r>
-          </a:p>
-        </p:txBody>
-      </p:sp>
-      <p:sp>
-        <p:nvSpPr>
-          <p:cNvPr id="22" name="Rectangle 21">
-            <a:extLst>
-              <a:ext uri="{FF2B5EF4-FFF2-40B4-BE49-F238E27FC236}">
-                <a16:creationId xmlns:a16="http://schemas.microsoft.com/office/drawing/2014/main" id="{18B3AB2E-28E3-AE68-7C0C-127D08143FC3}"/>
-              </a:ext>
-            </a:extLst>
-          </p:cNvPr>
-          <p:cNvSpPr/>
-          <p:nvPr/>
-        </p:nvSpPr>
-        <p:spPr>
-          <a:xfrm>
-            <a:off x="8625440" y="9880600"/>
-            <a:ext cx="15576224" cy="3754703"/>
-          </a:xfrm>
-          <a:prstGeom prst="rect">
-            <a:avLst/>
-          </a:prstGeom>
-          <a:ln>
-            <a:noFill/>
-          </a:ln>
-        </p:spPr>
-        <p:style>
-          <a:lnRef idx="2">
-            <a:schemeClr val="accent1">
-              <a:shade val="50000"/>
-            </a:schemeClr>
-          </a:lnRef>
-          <a:fillRef idx="1">
-            <a:schemeClr val="accent1"/>
-          </a:fillRef>
-          <a:effectRef idx="0">
-            <a:schemeClr val="accent1"/>
-          </a:effectRef>
-          <a:fontRef idx="minor">
-            <a:schemeClr val="lt1"/>
-          </a:fontRef>
-        </p:style>
-        <p:txBody>
-          <a:bodyPr rtlCol="0" anchor="ctr"/>
-          <a:lstStyle/>
-          <a:p>
-            <a:pPr algn="ctr"/>
-            <a:r>
-              <a:rPr lang="en-US" dirty="0"/>
-              <a:t>Image</a:t>
             </a:r>
           </a:p>
         </p:txBody>
@@ -20706,13 +20594,103 @@
           </a:bodyPr>
           <a:lstStyle/>
           <a:p>
-            <a:pPr marL="457200" indent="-457200" algn="l">
+            <a:pPr marL="457200" indent="-457200">
               <a:buFont typeface="+mj-lt"/>
               <a:buAutoNum type="arabicPeriod"/>
             </a:pPr>
             <a:r>
-              <a:rPr lang="en-US" sz="2400" dirty="0"/>
-              <a:t>Your text here. Your text here. Your text here. </a:t>
+              <a:rPr lang="en-US" sz="2400" b="0" i="0" u="none" strike="noStrike" dirty="0" err="1">
+                <a:solidFill>
+                  <a:srgbClr val="000000"/>
+                </a:solidFill>
+                <a:effectLst/>
+              </a:rPr>
+              <a:t>Haddii</a:t>
+            </a:r>
+            <a:r>
+              <a:rPr lang="en-US" sz="2400" b="0" i="0" u="none" strike="noStrike" dirty="0">
+                <a:solidFill>
+                  <a:srgbClr val="000000"/>
+                </a:solidFill>
+                <a:effectLst/>
+              </a:rPr>
+              <a:t>, Umer. “Berkshire Hathaway Stock Price</a:t>
+            </a:r>
+          </a:p>
+          <a:p>
+            <a:r>
+              <a:rPr lang="en-US" sz="2400" b="0" i="0" u="none" strike="noStrike" dirty="0">
+                <a:solidFill>
+                  <a:srgbClr val="000000"/>
+                </a:solidFill>
+                <a:effectLst/>
+              </a:rPr>
+              <a:t>           Data.” </a:t>
+            </a:r>
+            <a:r>
+              <a:rPr lang="en-US" sz="2400" b="0" i="1" u="none" strike="noStrike" dirty="0">
+                <a:solidFill>
+                  <a:srgbClr val="000000"/>
+                </a:solidFill>
+                <a:effectLst/>
+              </a:rPr>
+              <a:t>Kaggle</a:t>
+            </a:r>
+            <a:r>
+              <a:rPr lang="en-US" sz="2400" b="0" i="0" u="none" strike="noStrike" dirty="0">
+                <a:solidFill>
+                  <a:srgbClr val="000000"/>
+                </a:solidFill>
+                <a:effectLst/>
+              </a:rPr>
+              <a:t>, 2 Aug. 2024, </a:t>
+            </a:r>
+          </a:p>
+          <a:p>
+            <a:r>
+              <a:rPr lang="en-US" sz="2400" dirty="0">
+                <a:solidFill>
+                  <a:srgbClr val="000000"/>
+                </a:solidFill>
+              </a:rPr>
+              <a:t>           </a:t>
+            </a:r>
+            <a:r>
+              <a:rPr lang="en-US" sz="2400" b="0" i="0" strike="noStrike" dirty="0">
+                <a:solidFill>
+                  <a:srgbClr val="000000"/>
+                </a:solidFill>
+                <a:effectLst/>
+              </a:rPr>
+              <a:t>www.kaggle.com/datasets/umerhaddii/berkshire-</a:t>
+            </a:r>
+          </a:p>
+          <a:p>
+            <a:r>
+              <a:rPr lang="en-US" sz="2400" dirty="0">
+                <a:solidFill>
+                  <a:srgbClr val="000000"/>
+                </a:solidFill>
+              </a:rPr>
+              <a:t>           </a:t>
+            </a:r>
+            <a:r>
+              <a:rPr lang="en-US" sz="2400" b="0" i="0" u="none" strike="noStrike" dirty="0" err="1">
+                <a:solidFill>
+                  <a:srgbClr val="000000"/>
+                </a:solidFill>
+                <a:effectLst/>
+              </a:rPr>
+              <a:t>hathaway</a:t>
+            </a:r>
+            <a:r>
+              <a:rPr lang="en-US" sz="2400" b="0" i="0" u="none" strike="noStrike" dirty="0">
+                <a:solidFill>
+                  <a:srgbClr val="000000"/>
+                </a:solidFill>
+                <a:effectLst/>
+              </a:rPr>
+              <a:t>-stock-price-data. </a:t>
             </a:r>
           </a:p>
           <a:p>
@@ -20720,313 +20698,154 @@
               <a:buFont typeface="+mj-lt"/>
               <a:buAutoNum type="arabicPeriod"/>
             </a:pPr>
-            <a:r>
-              <a:rPr lang="en-US" sz="2400" dirty="0"/>
-              <a:t>Your text here. Your text here. Your text here. </a:t>
-            </a:r>
-          </a:p>
-          <a:p>
-            <a:pPr marL="457200" indent="-457200" algn="l">
-              <a:buFont typeface="+mj-lt"/>
-              <a:buAutoNum type="arabicPeriod"/>
-            </a:pPr>
-            <a:r>
-              <a:rPr lang="en-US" sz="2400" dirty="0"/>
-              <a:t>Your text here. Your text here. Your text here. </a:t>
-            </a:r>
-          </a:p>
-          <a:p>
-            <a:pPr marL="457200" indent="-457200" algn="l">
-              <a:buFont typeface="+mj-lt"/>
-              <a:buAutoNum type="arabicPeriod"/>
-            </a:pPr>
-            <a:r>
-              <a:rPr lang="en-US" sz="2400" dirty="0"/>
-              <a:t>Your text here. Your text here. Your text here. </a:t>
-            </a:r>
-          </a:p>
-          <a:p>
-            <a:pPr marL="457200" indent="-457200" algn="l">
-              <a:buFont typeface="+mj-lt"/>
-              <a:buAutoNum type="arabicPeriod"/>
-            </a:pPr>
-            <a:r>
-              <a:rPr lang="en-US" sz="2400" dirty="0"/>
-              <a:t>Your text here. Your text here. Your text here. </a:t>
-            </a:r>
-          </a:p>
-          <a:p>
-            <a:pPr marL="457200" indent="-457200" algn="l">
-              <a:buFont typeface="+mj-lt"/>
-              <a:buAutoNum type="arabicPeriod"/>
-            </a:pPr>
-            <a:r>
-              <a:rPr lang="en-US" sz="2400" dirty="0"/>
-              <a:t>Your text here. Your text here. Your text here. </a:t>
-            </a:r>
+            <a:endParaRPr lang="en-US" sz="2400" dirty="0"/>
           </a:p>
         </p:txBody>
       </p:sp>
-      <p:sp>
-        <p:nvSpPr>
-          <p:cNvPr id="30" name="Rectangle 29">
+      <p:pic>
+        <p:nvPicPr>
+          <p:cNvPr id="4" name="Picture 3" descr="A screen shot of a graph&#10;&#10;Description automatically generated">
             <a:extLst>
               <a:ext uri="{FF2B5EF4-FFF2-40B4-BE49-F238E27FC236}">
-                <a16:creationId xmlns:a16="http://schemas.microsoft.com/office/drawing/2014/main" id="{945DC8C8-7C2A-5080-6A5A-D3FE99FE8B61}"/>
+                <a16:creationId xmlns:a16="http://schemas.microsoft.com/office/drawing/2014/main" id="{3AB03A3E-C115-FBA4-E61F-30D32C74F10A}"/>
               </a:ext>
             </a:extLst>
           </p:cNvPr>
-          <p:cNvSpPr/>
+          <p:cNvPicPr>
+            <a:picLocks noChangeAspect="1"/>
+          </p:cNvPicPr>
           <p:nvPr/>
-        </p:nvSpPr>
+        </p:nvPicPr>
+        <p:blipFill>
+          <a:blip r:embed="rId2">
+            <a:extLst>
+              <a:ext uri="{28A0092B-C50C-407E-A947-70E740481C1C}">
+                <a14:useLocalDpi xmlns:a14="http://schemas.microsoft.com/office/drawing/2010/main" val="0"/>
+              </a:ext>
+            </a:extLst>
+          </a:blip>
+          <a:stretch>
+            <a:fillRect/>
+          </a:stretch>
+        </p:blipFill>
         <p:spPr>
           <a:xfrm>
-            <a:off x="9714198" y="18638304"/>
-            <a:ext cx="4111530" cy="3090976"/>
+            <a:off x="10901615" y="15746420"/>
+            <a:ext cx="9985685" cy="5760268"/>
           </a:xfrm>
           <a:prstGeom prst="rect">
             <a:avLst/>
           </a:prstGeom>
-          <a:ln>
-            <a:noFill/>
-          </a:ln>
         </p:spPr>
-        <p:style>
-          <a:lnRef idx="2">
-            <a:schemeClr val="accent1">
-              <a:shade val="50000"/>
-            </a:schemeClr>
-          </a:lnRef>
-          <a:fillRef idx="1">
-            <a:schemeClr val="accent1"/>
-          </a:fillRef>
-          <a:effectRef idx="0">
-            <a:schemeClr val="accent1"/>
-          </a:effectRef>
-          <a:fontRef idx="minor">
-            <a:schemeClr val="lt1"/>
-          </a:fontRef>
-        </p:style>
-        <p:txBody>
-          <a:bodyPr rtlCol="0" anchor="ctr"/>
-          <a:lstStyle/>
-          <a:p>
-            <a:pPr algn="ctr"/>
-            <a:r>
-              <a:rPr lang="en-US" dirty="0"/>
-              <a:t>Image</a:t>
-            </a:r>
-          </a:p>
-        </p:txBody>
-      </p:sp>
-      <p:sp>
-        <p:nvSpPr>
-          <p:cNvPr id="32" name="Rectangle 31">
+      </p:pic>
+      <p:pic>
+        <p:nvPicPr>
+          <p:cNvPr id="20" name="Picture 19" descr="A screen shot of a black screen&#10;&#10;Description automatically generated">
             <a:extLst>
               <a:ext uri="{FF2B5EF4-FFF2-40B4-BE49-F238E27FC236}">
-                <a16:creationId xmlns:a16="http://schemas.microsoft.com/office/drawing/2014/main" id="{3BE1127A-6ED8-686A-95EB-0C1B10222603}"/>
+                <a16:creationId xmlns:a16="http://schemas.microsoft.com/office/drawing/2014/main" id="{8E27E9BD-A71F-5B86-DD04-EA6838497077}"/>
               </a:ext>
             </a:extLst>
           </p:cNvPr>
-          <p:cNvSpPr/>
+          <p:cNvPicPr>
+            <a:picLocks noChangeAspect="1"/>
+          </p:cNvPicPr>
           <p:nvPr/>
-        </p:nvSpPr>
+        </p:nvPicPr>
+        <p:blipFill>
+          <a:blip r:embed="rId3">
+            <a:extLst>
+              <a:ext uri="{28A0092B-C50C-407E-A947-70E740481C1C}">
+                <a14:useLocalDpi xmlns:a14="http://schemas.microsoft.com/office/drawing/2010/main" val="0"/>
+              </a:ext>
+            </a:extLst>
+          </a:blip>
+          <a:stretch>
+            <a:fillRect/>
+          </a:stretch>
+        </p:blipFill>
         <p:spPr>
           <a:xfrm>
-            <a:off x="13959055" y="18634376"/>
-            <a:ext cx="4111530" cy="3090976"/>
+            <a:off x="2035178" y="16199867"/>
+            <a:ext cx="4338053" cy="5447327"/>
           </a:xfrm>
           <a:prstGeom prst="rect">
             <a:avLst/>
           </a:prstGeom>
-          <a:ln>
-            <a:noFill/>
-          </a:ln>
         </p:spPr>
-        <p:style>
-          <a:lnRef idx="2">
-            <a:schemeClr val="accent1">
-              <a:shade val="50000"/>
-            </a:schemeClr>
-          </a:lnRef>
-          <a:fillRef idx="1">
-            <a:schemeClr val="accent1"/>
-          </a:fillRef>
-          <a:effectRef idx="0">
-            <a:schemeClr val="accent1"/>
-          </a:effectRef>
-          <a:fontRef idx="minor">
-            <a:schemeClr val="lt1"/>
-          </a:fontRef>
-        </p:style>
-        <p:txBody>
-          <a:bodyPr rtlCol="0" anchor="ctr"/>
-          <a:lstStyle/>
-          <a:p>
-            <a:pPr algn="ctr"/>
-            <a:r>
-              <a:rPr lang="en-US" dirty="0"/>
-              <a:t>Image</a:t>
-            </a:r>
-          </a:p>
-        </p:txBody>
-      </p:sp>
-      <p:sp>
-        <p:nvSpPr>
-          <p:cNvPr id="34" name="Rectangle 33">
+      </p:pic>
+      <p:pic>
+        <p:nvPicPr>
+          <p:cNvPr id="26" name="Picture 25" descr="A computer screen with text&#10;&#10;Description automatically generated">
             <a:extLst>
               <a:ext uri="{FF2B5EF4-FFF2-40B4-BE49-F238E27FC236}">
-                <a16:creationId xmlns:a16="http://schemas.microsoft.com/office/drawing/2014/main" id="{BBFEC8D6-33EF-2B90-CA20-CBC8420BF444}"/>
+                <a16:creationId xmlns:a16="http://schemas.microsoft.com/office/drawing/2014/main" id="{F988AB55-6EEF-4989-4BB8-070D1B33C159}"/>
               </a:ext>
             </a:extLst>
           </p:cNvPr>
-          <p:cNvSpPr/>
+          <p:cNvPicPr>
+            <a:picLocks noChangeAspect="1"/>
+          </p:cNvPicPr>
           <p:nvPr/>
-        </p:nvSpPr>
+        </p:nvPicPr>
+        <p:blipFill>
+          <a:blip r:embed="rId4">
+            <a:extLst>
+              <a:ext uri="{28A0092B-C50C-407E-A947-70E740481C1C}">
+                <a14:useLocalDpi xmlns:a14="http://schemas.microsoft.com/office/drawing/2010/main" val="0"/>
+              </a:ext>
+            </a:extLst>
+          </a:blip>
+          <a:stretch>
+            <a:fillRect/>
+          </a:stretch>
+        </p:blipFill>
         <p:spPr>
           <a:xfrm>
-            <a:off x="18240488" y="18634376"/>
-            <a:ext cx="4111530" cy="3090976"/>
+            <a:off x="10768430" y="10020988"/>
+            <a:ext cx="11094083" cy="2660572"/>
           </a:xfrm>
           <a:prstGeom prst="rect">
             <a:avLst/>
           </a:prstGeom>
-          <a:ln>
-            <a:noFill/>
-          </a:ln>
         </p:spPr>
-        <p:style>
-          <a:lnRef idx="2">
-            <a:schemeClr val="accent1">
-              <a:shade val="50000"/>
-            </a:schemeClr>
-          </a:lnRef>
-          <a:fillRef idx="1">
-            <a:schemeClr val="accent1"/>
-          </a:fillRef>
-          <a:effectRef idx="0">
-            <a:schemeClr val="accent1"/>
-          </a:effectRef>
-          <a:fontRef idx="minor">
-            <a:schemeClr val="lt1"/>
-          </a:fontRef>
-        </p:style>
-        <p:txBody>
-          <a:bodyPr rtlCol="0" anchor="ctr"/>
-          <a:lstStyle/>
-          <a:p>
-            <a:pPr algn="ctr"/>
-            <a:r>
-              <a:rPr lang="en-US" dirty="0"/>
-              <a:t>Image</a:t>
-            </a:r>
-          </a:p>
-        </p:txBody>
-      </p:sp>
-      <p:sp>
-        <p:nvSpPr>
-          <p:cNvPr id="35" name="Rectangle 34">
+      </p:pic>
+      <p:pic>
+        <p:nvPicPr>
+          <p:cNvPr id="29" name="Picture 28" descr="A graph with numbers and a line of black dots&#10;&#10;Description automatically generated with medium confidence">
             <a:extLst>
               <a:ext uri="{FF2B5EF4-FFF2-40B4-BE49-F238E27FC236}">
-                <a16:creationId xmlns:a16="http://schemas.microsoft.com/office/drawing/2014/main" id="{BADE531F-1724-801C-0F78-9DE3B831AD6A}"/>
+                <a16:creationId xmlns:a16="http://schemas.microsoft.com/office/drawing/2014/main" id="{FD62280A-7948-3642-4373-2F8F41E6166C}"/>
               </a:ext>
             </a:extLst>
           </p:cNvPr>
-          <p:cNvSpPr/>
+          <p:cNvPicPr>
+            <a:picLocks noChangeAspect="1"/>
+          </p:cNvPicPr>
           <p:nvPr/>
-        </p:nvSpPr>
+        </p:nvPicPr>
+        <p:blipFill>
+          <a:blip r:embed="rId5">
+            <a:extLst>
+              <a:ext uri="{28A0092B-C50C-407E-A947-70E740481C1C}">
+                <a14:useLocalDpi xmlns:a14="http://schemas.microsoft.com/office/drawing/2010/main" val="0"/>
+              </a:ext>
+            </a:extLst>
+          </a:blip>
+          <a:stretch>
+            <a:fillRect/>
+          </a:stretch>
+        </p:blipFill>
         <p:spPr>
           <a:xfrm>
-            <a:off x="24527328" y="5478162"/>
-            <a:ext cx="3737755" cy="3090976"/>
+            <a:off x="24403124" y="5322059"/>
+            <a:ext cx="6940475" cy="3312599"/>
           </a:xfrm>
           <a:prstGeom prst="rect">
             <a:avLst/>
           </a:prstGeom>
-          <a:ln>
-            <a:noFill/>
-          </a:ln>
         </p:spPr>
-        <p:style>
-          <a:lnRef idx="2">
-            <a:schemeClr val="accent1">
-              <a:shade val="50000"/>
-            </a:schemeClr>
-          </a:lnRef>
-          <a:fillRef idx="1">
-            <a:schemeClr val="accent1"/>
-          </a:fillRef>
-          <a:effectRef idx="0">
-            <a:schemeClr val="accent1"/>
-          </a:effectRef>
-          <a:fontRef idx="minor">
-            <a:schemeClr val="lt1"/>
-          </a:fontRef>
-        </p:style>
-        <p:txBody>
-          <a:bodyPr rtlCol="0" anchor="ctr"/>
-          <a:lstStyle/>
-          <a:p>
-            <a:pPr algn="ctr"/>
-            <a:r>
-              <a:rPr lang="en-US" dirty="0"/>
-              <a:t>Image</a:t>
-            </a:r>
-          </a:p>
-        </p:txBody>
-      </p:sp>
-      <p:sp>
-        <p:nvSpPr>
-          <p:cNvPr id="36" name="Rectangle 35">
-            <a:extLst>
-              <a:ext uri="{FF2B5EF4-FFF2-40B4-BE49-F238E27FC236}">
-                <a16:creationId xmlns:a16="http://schemas.microsoft.com/office/drawing/2014/main" id="{543E03C7-B9A2-2125-14F9-2F76B80C7EF3}"/>
-              </a:ext>
-            </a:extLst>
-          </p:cNvPr>
-          <p:cNvSpPr/>
-          <p:nvPr/>
-        </p:nvSpPr>
-        <p:spPr>
-          <a:xfrm>
-            <a:off x="28699033" y="5474234"/>
-            <a:ext cx="3737755" cy="3090976"/>
-          </a:xfrm>
-          <a:prstGeom prst="rect">
-            <a:avLst/>
-          </a:prstGeom>
-          <a:ln>
-            <a:noFill/>
-          </a:ln>
-        </p:spPr>
-        <p:style>
-          <a:lnRef idx="2">
-            <a:schemeClr val="accent1">
-              <a:shade val="50000"/>
-            </a:schemeClr>
-          </a:lnRef>
-          <a:fillRef idx="1">
-            <a:schemeClr val="accent1"/>
-          </a:fillRef>
-          <a:effectRef idx="0">
-            <a:schemeClr val="accent1"/>
-          </a:effectRef>
-          <a:fontRef idx="minor">
-            <a:schemeClr val="lt1"/>
-          </a:fontRef>
-        </p:style>
-        <p:txBody>
-          <a:bodyPr rtlCol="0" anchor="ctr"/>
-          <a:lstStyle/>
-          <a:p>
-            <a:pPr algn="ctr"/>
-            <a:r>
-              <a:rPr lang="en-US" dirty="0"/>
-              <a:t>Image</a:t>
-            </a:r>
-          </a:p>
-        </p:txBody>
-      </p:sp>
+      </p:pic>
     </p:spTree>
     <p:extLst>
       <p:ext uri="{BB962C8B-B14F-4D97-AF65-F5344CB8AC3E}">
@@ -21887,26 +21706,6 @@
 </file>
 
 <file path=customXml/item1.xml><?xml version="1.0" encoding="utf-8"?>
-<p:properties xmlns:p="http://schemas.microsoft.com/office/2006/metadata/properties" xmlns:xsi="http://www.w3.org/2001/XMLSchema-instance" xmlns:pc="http://schemas.microsoft.com/office/infopath/2007/PartnerControls">
-  <documentManagement>
-    <TaxCatchAll xmlns="6ce7f05b-413c-43f0-a405-4782f1c736f4" xsi:nil="true"/>
-    <lcf76f155ced4ddcb4097134ff3c332f xmlns="52c5501b-ac23-4643-b2d1-99050004ecce">
-      <Terms xmlns="http://schemas.microsoft.com/office/infopath/2007/PartnerControls"/>
-    </lcf76f155ced4ddcb4097134ff3c332f>
-  </documentManagement>
-</p:properties>
-</file>
-
-<file path=customXml/item2.xml><?xml version="1.0" encoding="utf-8"?>
-<?mso-contentType ?>
-<FormTemplates xmlns="http://schemas.microsoft.com/sharepoint/v3/contenttype/forms">
-  <Display>DocumentLibraryForm</Display>
-  <Edit>DocumentLibraryForm</Edit>
-  <New>DocumentLibraryForm</New>
-</FormTemplates>
-</file>
-
-<file path=customXml/item3.xml><?xml version="1.0" encoding="utf-8"?>
 <ct:contentTypeSchema xmlns:ct="http://schemas.microsoft.com/office/2006/metadata/contentType" xmlns:ma="http://schemas.microsoft.com/office/2006/metadata/properties/metaAttributes" ct:_="" ma:_="" ma:contentTypeName="Document" ma:contentTypeID="0x0101005671BD7F6CCAC64B93684AA8AE864A1B" ma:contentTypeVersion="12" ma:contentTypeDescription="Create a new document." ma:contentTypeScope="" ma:versionID="38e8921b4ffc5a19ddc489ead4d6a15b">
   <xsd:schema xmlns:xsd="http://www.w3.org/2001/XMLSchema" xmlns:xs="http://www.w3.org/2001/XMLSchema" xmlns:p="http://schemas.microsoft.com/office/2006/metadata/properties" xmlns:ns2="52c5501b-ac23-4643-b2d1-99050004ecce" xmlns:ns3="6ce7f05b-413c-43f0-a405-4782f1c736f4" targetNamespace="http://schemas.microsoft.com/office/2006/metadata/properties" ma:root="true" ma:fieldsID="8a46bf21d1fc3c9445298d80ceefc7ee" ns2:_="" ns3:_="">
     <xsd:import namespace="52c5501b-ac23-4643-b2d1-99050004ecce"/>
@@ -22107,32 +21906,27 @@
 </ct:contentTypeSchema>
 </file>
 
-<file path=customXml/itemProps1.xml><?xml version="1.0" encoding="utf-8"?>
-<ds:datastoreItem xmlns:ds="http://schemas.openxmlformats.org/officeDocument/2006/customXml" ds:itemID="{404EDB80-8291-42F4-AEE7-2E49570FCCE1}">
-  <ds:schemaRefs>
-    <ds:schemaRef ds:uri="http://purl.org/dc/elements/1.1/"/>
-    <ds:schemaRef ds:uri="http://schemas.microsoft.com/office/2006/metadata/properties"/>
-    <ds:schemaRef ds:uri="http://www.w3.org/XML/1998/namespace"/>
-    <ds:schemaRef ds:uri="http://schemas.openxmlformats.org/package/2006/metadata/core-properties"/>
-    <ds:schemaRef ds:uri="http://schemas.microsoft.com/office/2006/documentManagement/types"/>
-    <ds:schemaRef ds:uri="http://purl.org/dc/terms/"/>
-    <ds:schemaRef ds:uri="http://purl.org/dc/dcmitype/"/>
-    <ds:schemaRef ds:uri="http://schemas.microsoft.com/office/infopath/2007/PartnerControls"/>
-    <ds:schemaRef ds:uri="6ce7f05b-413c-43f0-a405-4782f1c736f4"/>
-    <ds:schemaRef ds:uri="52c5501b-ac23-4643-b2d1-99050004ecce"/>
-  </ds:schemaRefs>
-</ds:datastoreItem>
+<file path=customXml/item2.xml><?xml version="1.0" encoding="utf-8"?>
+<?mso-contentType ?>
+<FormTemplates xmlns="http://schemas.microsoft.com/sharepoint/v3/contenttype/forms">
+  <Display>DocumentLibraryForm</Display>
+  <Edit>DocumentLibraryForm</Edit>
+  <New>DocumentLibraryForm</New>
+</FormTemplates>
 </file>
 
-<file path=customXml/itemProps2.xml><?xml version="1.0" encoding="utf-8"?>
-<ds:datastoreItem xmlns:ds="http://schemas.openxmlformats.org/officeDocument/2006/customXml" ds:itemID="{69DC6354-79F6-4C27-A216-04852E67EE2D}">
-  <ds:schemaRefs>
-    <ds:schemaRef ds:uri="http://schemas.microsoft.com/sharepoint/v3/contenttype/forms"/>
-  </ds:schemaRefs>
-</ds:datastoreItem>
+<file path=customXml/item3.xml><?xml version="1.0" encoding="utf-8"?>
+<p:properties xmlns:p="http://schemas.microsoft.com/office/2006/metadata/properties" xmlns:xsi="http://www.w3.org/2001/XMLSchema-instance" xmlns:pc="http://schemas.microsoft.com/office/infopath/2007/PartnerControls">
+  <documentManagement>
+    <TaxCatchAll xmlns="6ce7f05b-413c-43f0-a405-4782f1c736f4" xsi:nil="true"/>
+    <lcf76f155ced4ddcb4097134ff3c332f xmlns="52c5501b-ac23-4643-b2d1-99050004ecce">
+      <Terms xmlns="http://schemas.microsoft.com/office/infopath/2007/PartnerControls"/>
+    </lcf76f155ced4ddcb4097134ff3c332f>
+  </documentManagement>
+</p:properties>
 </file>
 
-<file path=customXml/itemProps3.xml><?xml version="1.0" encoding="utf-8"?>
+<file path=customXml/itemProps1.xml><?xml version="1.0" encoding="utf-8"?>
 <ds:datastoreItem xmlns:ds="http://schemas.openxmlformats.org/officeDocument/2006/customXml" ds:itemID="{BD7AA2C2-B765-4401-8622-E075816AF285}">
   <ds:schemaRefs>
     <ds:schemaRef ds:uri="http://schemas.microsoft.com/office/2006/metadata/contentType"/>
@@ -22149,4 +21943,29 @@
     <ds:schemaRef ds:uri="http://schemas.microsoft.com/internal/obd"/>
   </ds:schemaRefs>
 </ds:datastoreItem>
+</file>
+
+<file path=customXml/itemProps2.xml><?xml version="1.0" encoding="utf-8"?>
+<ds:datastoreItem xmlns:ds="http://schemas.openxmlformats.org/officeDocument/2006/customXml" ds:itemID="{69DC6354-79F6-4C27-A216-04852E67EE2D}">
+  <ds:schemaRefs>
+    <ds:schemaRef ds:uri="http://schemas.microsoft.com/sharepoint/v3/contenttype/forms"/>
+  </ds:schemaRefs>
+</ds:datastoreItem>
+</file>
+
+<file path=customXml/itemProps3.xml><?xml version="1.0" encoding="utf-8"?>
+<ds:datastoreItem xmlns:ds="http://schemas.openxmlformats.org/officeDocument/2006/customXml" ds:itemID="{404EDB80-8291-42F4-AEE7-2E49570FCCE1}">
+  <ds:schemaRefs>
+    <ds:schemaRef ds:uri="http://purl.org/dc/elements/1.1/"/>
+    <ds:schemaRef ds:uri="http://schemas.microsoft.com/office/2006/metadata/properties"/>
+    <ds:schemaRef ds:uri="http://www.w3.org/XML/1998/namespace"/>
+    <ds:schemaRef ds:uri="http://schemas.openxmlformats.org/package/2006/metadata/core-properties"/>
+    <ds:schemaRef ds:uri="http://schemas.microsoft.com/office/2006/documentManagement/types"/>
+    <ds:schemaRef ds:uri="http://purl.org/dc/terms/"/>
+    <ds:schemaRef ds:uri="http://purl.org/dc/dcmitype/"/>
+    <ds:schemaRef ds:uri="http://schemas.microsoft.com/office/infopath/2007/PartnerControls"/>
+    <ds:schemaRef ds:uri="6ce7f05b-413c-43f0-a405-4782f1c736f4"/>
+    <ds:schemaRef ds:uri="52c5501b-ac23-4643-b2d1-99050004ecce"/>
+  </ds:schemaRefs>
+</ds:datastoreItem>
 </file>
--- a/CS325 Presentation Poster.pptx
+++ b/CS325 Presentation Poster.pptx
@@ -20073,42 +20073,6 @@
       </p:sp>
       <p:sp>
         <p:nvSpPr>
-          <p:cNvPr id="10" name="TextBox 9">
-            <a:extLst>
-              <a:ext uri="{FF2B5EF4-FFF2-40B4-BE49-F238E27FC236}">
-                <a16:creationId xmlns:a16="http://schemas.microsoft.com/office/drawing/2014/main" id="{F9890E5F-01F6-A936-6714-E73E11E49B81}"/>
-              </a:ext>
-            </a:extLst>
-          </p:cNvPr>
-          <p:cNvSpPr txBox="1"/>
-          <p:nvPr/>
-        </p:nvSpPr>
-        <p:spPr>
-          <a:xfrm>
-            <a:off x="24597971" y="17939077"/>
-            <a:ext cx="4936672" cy="677108"/>
-          </a:xfrm>
-          <a:prstGeom prst="rect">
-            <a:avLst/>
-          </a:prstGeom>
-          <a:noFill/>
-        </p:spPr>
-        <p:txBody>
-          <a:bodyPr wrap="none" lIns="0" tIns="0" rIns="0" bIns="0" rtlCol="0">
-            <a:spAutoFit/>
-          </a:bodyPr>
-          <a:lstStyle/>
-          <a:p>
-            <a:pPr algn="l"/>
-            <a:r>
-              <a:rPr lang="en-US" sz="4400" b="1" i="1" dirty="0"/>
-              <a:t>Acknowledgments</a:t>
-            </a:r>
-          </a:p>
-        </p:txBody>
-      </p:sp>
-      <p:sp>
-        <p:nvSpPr>
           <p:cNvPr id="11" name="TextBox 10">
             <a:extLst>
               <a:ext uri="{FF2B5EF4-FFF2-40B4-BE49-F238E27FC236}">
@@ -20157,7 +20121,7 @@
         </p:nvSpPr>
         <p:spPr>
           <a:xfrm>
-            <a:off x="24527328" y="14583554"/>
+            <a:off x="24527328" y="18891504"/>
             <a:ext cx="5477718" cy="677108"/>
           </a:xfrm>
           <a:prstGeom prst="rect">
@@ -20210,15 +20174,7 @@
             <a:pPr algn="l"/>
             <a:r>
               <a:rPr lang="en-US" sz="2400" dirty="0"/>
-              <a:t>Stock markets are among the most dynamic systems in the financial world, where minor decisions can have major implications. Predicting next-day stock prices is critical for investors looking to optimize trading strategies, lowering risks, and enhance returns. This project leverages a machine learning-based approach to predict the next-day closing price of Berkshire Hathaway’s stock using historical financial data. A Random Forest Regressor (RFR) was selected for its robustness and efficiency in handling volatile data and non-linear relationships. Our project explores ways to classify stock trends (Uptrend, Downtrend, Neutral) to assist users to identify potential stock movements. </a:t>
-            </a:r>
-            <a:r>
-              <a:rPr lang="en-US" sz="2400" dirty="0">
-                <a:highlight>
-                  <a:srgbClr val="FFFF00"/>
-                </a:highlight>
-              </a:rPr>
-              <a:t>While our baseline model demonstrates promising results under stable market conditions, improvement to handle volatility is vital</a:t>
+              <a:t>Stock markets are among the most dynamic systems in the financial world, where minor decisions can have major implications. Predicting next-day stock prices is critical for investors looking to optimize trading strategies, lowering risks, and enhance returns. This project leverages a machine learning-based approach to predict the next-day closing price of Berkshire Hathaway’s stock using historical financial data. A Random Forest Regressor (RFR) was selected for its robustness and efficiency in handling volatile data and non-linear relationships. Our project explores ways to classify stock trends (Uptrend, Downtrend, Neutral) to assist users to identify potential stock movements. While our baseline model demonstrates promising results under stable market conditions, improvement to handle volatility is vital</a:t>
             </a:r>
           </a:p>
         </p:txBody>
@@ -20423,7 +20379,7 @@
         </p:nvSpPr>
         <p:spPr>
           <a:xfrm>
-            <a:off x="24527328" y="8970846"/>
+            <a:off x="24616461" y="11534433"/>
             <a:ext cx="7772400" cy="5497266"/>
           </a:xfrm>
           <a:prstGeom prst="rect">
@@ -20437,17 +20393,58 @@
           </a:bodyPr>
           <a:lstStyle/>
           <a:p>
-            <a:pPr algn="l"/>
+            <a:pPr marL="342900" indent="-342900">
+              <a:buFont typeface="Arial" panose="020B0604020202020204" pitchFamily="34" charset="0"/>
+              <a:buChar char="•"/>
+            </a:pPr>
             <a:r>
               <a:rPr lang="en-US" sz="2400" dirty="0"/>
-              <a:t>This project successfully developed a Next-Day Closing Stock Predictor using an RFR. The model effectively captured stock price trends during stable market conditions. However, the model’s limitations in volatile markets highlighted the challenges of accounting for unpredicted factors.</a:t>
+              <a:t>This project successfully developed a Next-Day Closing Stock Predictor using an RFR. </a:t>
             </a:r>
           </a:p>
           <a:p>
             <a:pPr algn="l"/>
+            <a:endParaRPr lang="en-US" sz="2400" dirty="0"/>
+          </a:p>
+          <a:p>
+            <a:pPr marL="342900" indent="-342900" algn="l">
+              <a:buFont typeface="Arial" panose="020B0604020202020204" pitchFamily="34" charset="0"/>
+              <a:buChar char="•"/>
+            </a:pPr>
+            <a:r>
+              <a:rPr lang="en-US" sz="2400" dirty="0"/>
+              <a:t>The model effectively captured stock price trends during stable market conditions. However, the model’s limitations in volatile markets highlighted the challenges of accounting for unpredicted factors.</a:t>
+            </a:r>
+          </a:p>
+          <a:p>
+            <a:pPr algn="l"/>
+            <a:endParaRPr lang="en-US" sz="2400" dirty="0"/>
+          </a:p>
+          <a:p>
+            <a:pPr marL="342900" indent="-342900" algn="l">
+              <a:buFont typeface="Arial" panose="020B0604020202020204" pitchFamily="34" charset="0"/>
+              <a:buChar char="•"/>
+            </a:pPr>
             <a:r>
               <a:rPr lang="en-US" sz="2400" dirty="0"/>
               <a:t>From this work, we learned the importance of preprocessing in achieving accurate predictions. Additionally, testing the model’s performance on specific dates of interest reveals valuable insight about its adaptability and areas needing refinement. </a:t>
+            </a:r>
+          </a:p>
+          <a:p>
+            <a:pPr marL="342900" indent="-342900" algn="l">
+              <a:buFont typeface="Arial" panose="020B0604020202020204" pitchFamily="34" charset="0"/>
+              <a:buChar char="•"/>
+            </a:pPr>
+            <a:endParaRPr lang="en-US" sz="2400" dirty="0"/>
+          </a:p>
+          <a:p>
+            <a:pPr marL="342900" indent="-342900" algn="l">
+              <a:buFont typeface="Arial" panose="020B0604020202020204" pitchFamily="34" charset="0"/>
+              <a:buChar char="•"/>
+            </a:pPr>
+            <a:r>
+              <a:rPr lang="en-US" sz="2400" dirty="0"/>
+              <a:t>Furthermore, testing on a larger range proved to be redundant since the model needs to predict next day close, not predict the closes leading up to the day we are truly looking at</a:t>
             </a:r>
           </a:p>
           <a:p>
@@ -20489,10 +20486,7 @@
           <a:lstStyle/>
           <a:p>
             <a:pPr algn="l"/>
-            <a:r>
-              <a:rPr lang="en-US" sz="2400" dirty="0"/>
-              <a:t>Your text here. Your text here. Your text here. Your text here. Your text here. Your text here. Your text here. Your text here. Your text here. Your text here. Your text here. Your text here. Your text here. Your text here. Your text here. Your text here. Your text here. Your text here. Your text here. Your text here. Your text here. Your text here. </a:t>
-            </a:r>
+            <a:endParaRPr lang="en-US" sz="2400" dirty="0"/>
           </a:p>
         </p:txBody>
       </p:sp>
@@ -20580,7 +20574,7 @@
         </p:nvSpPr>
         <p:spPr>
           <a:xfrm>
-            <a:off x="24527328" y="15376105"/>
+            <a:off x="24527328" y="19684055"/>
             <a:ext cx="7772400" cy="3021720"/>
           </a:xfrm>
           <a:prstGeom prst="rect">
@@ -20839,7 +20833,7 @@
         <p:spPr>
           <a:xfrm>
             <a:off x="24403124" y="5322059"/>
-            <a:ext cx="6940475" cy="3312599"/>
+            <a:ext cx="6940475" cy="5089108"/>
           </a:xfrm>
           <a:prstGeom prst="rect">
             <a:avLst/>
